--- a/Intermediate/TableViewsCD.pptx
+++ b/Intermediate/TableViewsCD.pptx
@@ -257,7 +257,7 @@
           <a:p>
             <a:fld id="{1943AE46-A6FC-4297-B484-05F087745302}" type="datetimeFigureOut">
               <a:rPr lang="en-US" smtClean="0"/>
-              <a:t>7/6/2016</a:t>
+              <a:t>7/15/2016</a:t>
             </a:fld>
             <a:endParaRPr lang="en-US"/>
           </a:p>
@@ -425,7 +425,7 @@
           <a:p>
             <a:fld id="{1943AE46-A6FC-4297-B484-05F087745302}" type="datetimeFigureOut">
               <a:rPr lang="en-US" smtClean="0"/>
-              <a:t>7/6/2016</a:t>
+              <a:t>7/15/2016</a:t>
             </a:fld>
             <a:endParaRPr lang="en-US"/>
           </a:p>
@@ -603,7 +603,7 @@
           <a:p>
             <a:fld id="{1943AE46-A6FC-4297-B484-05F087745302}" type="datetimeFigureOut">
               <a:rPr lang="en-US" smtClean="0"/>
-              <a:t>7/6/2016</a:t>
+              <a:t>7/15/2016</a:t>
             </a:fld>
             <a:endParaRPr lang="en-US"/>
           </a:p>
@@ -771,7 +771,7 @@
           <a:p>
             <a:fld id="{1943AE46-A6FC-4297-B484-05F087745302}" type="datetimeFigureOut">
               <a:rPr lang="en-US" smtClean="0"/>
-              <a:t>7/6/2016</a:t>
+              <a:t>7/15/2016</a:t>
             </a:fld>
             <a:endParaRPr lang="en-US"/>
           </a:p>
@@ -1016,7 +1016,7 @@
           <a:p>
             <a:fld id="{1943AE46-A6FC-4297-B484-05F087745302}" type="datetimeFigureOut">
               <a:rPr lang="en-US" smtClean="0"/>
-              <a:t>7/6/2016</a:t>
+              <a:t>7/15/2016</a:t>
             </a:fld>
             <a:endParaRPr lang="en-US"/>
           </a:p>
@@ -1245,7 +1245,7 @@
           <a:p>
             <a:fld id="{1943AE46-A6FC-4297-B484-05F087745302}" type="datetimeFigureOut">
               <a:rPr lang="en-US" smtClean="0"/>
-              <a:t>7/6/2016</a:t>
+              <a:t>7/15/2016</a:t>
             </a:fld>
             <a:endParaRPr lang="en-US"/>
           </a:p>
@@ -1609,7 +1609,7 @@
           <a:p>
             <a:fld id="{1943AE46-A6FC-4297-B484-05F087745302}" type="datetimeFigureOut">
               <a:rPr lang="en-US" smtClean="0"/>
-              <a:t>7/6/2016</a:t>
+              <a:t>7/15/2016</a:t>
             </a:fld>
             <a:endParaRPr lang="en-US"/>
           </a:p>
@@ -1726,7 +1726,7 @@
           <a:p>
             <a:fld id="{1943AE46-A6FC-4297-B484-05F087745302}" type="datetimeFigureOut">
               <a:rPr lang="en-US" smtClean="0"/>
-              <a:t>7/6/2016</a:t>
+              <a:t>7/15/2016</a:t>
             </a:fld>
             <a:endParaRPr lang="en-US"/>
           </a:p>
@@ -1821,7 +1821,7 @@
           <a:p>
             <a:fld id="{1943AE46-A6FC-4297-B484-05F087745302}" type="datetimeFigureOut">
               <a:rPr lang="en-US" smtClean="0"/>
-              <a:t>7/6/2016</a:t>
+              <a:t>7/15/2016</a:t>
             </a:fld>
             <a:endParaRPr lang="en-US"/>
           </a:p>
@@ -2096,7 +2096,7 @@
           <a:p>
             <a:fld id="{1943AE46-A6FC-4297-B484-05F087745302}" type="datetimeFigureOut">
               <a:rPr lang="en-US" smtClean="0"/>
-              <a:t>7/6/2016</a:t>
+              <a:t>7/15/2016</a:t>
             </a:fld>
             <a:endParaRPr lang="en-US"/>
           </a:p>
@@ -2348,7 +2348,7 @@
           <a:p>
             <a:fld id="{1943AE46-A6FC-4297-B484-05F087745302}" type="datetimeFigureOut">
               <a:rPr lang="en-US" smtClean="0"/>
-              <a:t>7/6/2016</a:t>
+              <a:t>7/15/2016</a:t>
             </a:fld>
             <a:endParaRPr lang="en-US"/>
           </a:p>
@@ -2559,7 +2559,7 @@
           <a:p>
             <a:fld id="{1943AE46-A6FC-4297-B484-05F087745302}" type="datetimeFigureOut">
               <a:rPr lang="en-US" smtClean="0"/>
-              <a:t>7/6/2016</a:t>
+              <a:t>7/15/2016</a:t>
             </a:fld>
             <a:endParaRPr lang="en-US"/>
           </a:p>
@@ -3026,11 +3026,7 @@
             <a:pPr algn="ctr"/>
             <a:r>
               <a:rPr lang="en-US" sz="3600" b="1"/>
-              <a:t>Table</a:t>
-            </a:r>
-            <a:r>
-              <a:rPr lang="en-US" sz="3600" b="1"/>
-              <a:t> </a:t>
+              <a:t>Table </a:t>
             </a:r>
             <a:r>
               <a:rPr lang="en-US" sz="3600" b="1" smtClean="0"/>
@@ -3052,204 +3048,6 @@
         <p:spPr>
           <a:xfrm>
             <a:off x="0" y="1595021"/>
-            <a:ext cx="12192000" cy="1815882"/>
-          </a:xfrm>
-          <a:prstGeom prst="rect">
-            <a:avLst/>
-          </a:prstGeom>
-          <a:gradFill>
-            <a:gsLst>
-              <a:gs pos="50441">
-                <a:srgbClr val="0070C0"/>
-              </a:gs>
-              <a:gs pos="13246">
-                <a:srgbClr val="0070C0"/>
-              </a:gs>
-              <a:gs pos="24776">
-                <a:srgbClr val="0070C0"/>
-              </a:gs>
-              <a:gs pos="74328">
-                <a:srgbClr val="0070C0"/>
-              </a:gs>
-              <a:gs pos="0">
-                <a:srgbClr val="0070C0"/>
-              </a:gs>
-              <a:gs pos="100000">
-                <a:srgbClr val="0070C0"/>
-              </a:gs>
-            </a:gsLst>
-            <a:lin ang="5400000" scaled="1"/>
-          </a:gradFill>
-          <a:ln>
-            <a:noFill/>
-          </a:ln>
-          <a:scene3d>
-            <a:camera prst="orthographicFront"/>
-            <a:lightRig rig="threePt" dir="t"/>
-          </a:scene3d>
-          <a:sp3d>
-            <a:bevelT/>
-          </a:sp3d>
-        </p:spPr>
-        <p:style>
-          <a:lnRef idx="0">
-            <a:scrgbClr r="0" g="0" b="0"/>
-          </a:lnRef>
-          <a:fillRef idx="0">
-            <a:scrgbClr r="0" g="0" b="0"/>
-          </a:fillRef>
-          <a:effectRef idx="0">
-            <a:scrgbClr r="0" g="0" b="0"/>
-          </a:effectRef>
-          <a:fontRef idx="minor">
-            <a:schemeClr val="lt1"/>
-          </a:fontRef>
-        </p:style>
-        <p:txBody>
-          <a:bodyPr wrap="square">
-            <a:spAutoFit/>
-          </a:bodyPr>
-          <a:lstStyle/>
-          <a:p>
-            <a:r>
-              <a:rPr lang="en-US" sz="2800" b="1"/>
-              <a:t>Table Views are the UI View subclass behind some of the most popular apps on the App Store</a:t>
-            </a:r>
-            <a:r>
-              <a:rPr lang="en-US" sz="2800"/>
-              <a:t>. They are very versatile and this is one view we must master. The name 'Table' is a little bit misleading because yes, it is a table, but </a:t>
-            </a:r>
-            <a:r>
-              <a:rPr lang="en-US" sz="2800" b="1"/>
-              <a:t>a table with just one column</a:t>
-            </a:r>
-            <a:r>
-              <a:rPr lang="en-US" sz="2800"/>
-              <a:t>. In fact, it might be more accurate to </a:t>
-            </a:r>
-            <a:r>
-              <a:rPr lang="en-US" sz="2800" b="1"/>
-              <a:t>think of it as a list</a:t>
-            </a:r>
-            <a:endParaRPr lang="en-US" sz="2800"/>
-          </a:p>
-        </p:txBody>
-      </p:sp>
-    </p:spTree>
-    <p:extLst>
-      <p:ext uri="{BB962C8B-B14F-4D97-AF65-F5344CB8AC3E}">
-        <p14:creationId xmlns:p14="http://schemas.microsoft.com/office/powerpoint/2010/main" val="4188378029"/>
-      </p:ext>
-    </p:extLst>
-  </p:cSld>
-  <p:clrMapOvr>
-    <a:masterClrMapping/>
-  </p:clrMapOvr>
-</p:sld>
-</file>
-
-<file path=ppt/slides/slide2.xml><?xml version="1.0" encoding="utf-8"?>
-<p:sld xmlns:a="http://schemas.openxmlformats.org/drawingml/2006/main" xmlns:r="http://schemas.openxmlformats.org/officeDocument/2006/relationships" xmlns:p="http://schemas.openxmlformats.org/presentationml/2006/main">
-  <p:cSld>
-    <p:spTree>
-      <p:nvGrpSpPr>
-        <p:cNvPr id="1" name=""/>
-        <p:cNvGrpSpPr/>
-        <p:nvPr/>
-      </p:nvGrpSpPr>
-      <p:grpSpPr>
-        <a:xfrm>
-          <a:off x="0" y="0"/>
-          <a:ext cx="0" cy="0"/>
-          <a:chOff x="0" y="0"/>
-          <a:chExt cx="0" cy="0"/>
-        </a:xfrm>
-      </p:grpSpPr>
-      <p:sp>
-        <p:nvSpPr>
-          <p:cNvPr id="2" name="Rectangle 1"/>
-          <p:cNvSpPr/>
-          <p:nvPr/>
-        </p:nvSpPr>
-        <p:spPr>
-          <a:xfrm>
-            <a:off x="1600200" y="124579"/>
-            <a:ext cx="9918700" cy="646331"/>
-          </a:xfrm>
-          <a:prstGeom prst="rect">
-            <a:avLst/>
-          </a:prstGeom>
-          <a:solidFill>
-            <a:srgbClr val="C00000"/>
-          </a:solidFill>
-          <a:ln>
-            <a:noFill/>
-          </a:ln>
-          <a:effectLst>
-            <a:outerShdw blurRad="44450" dist="27940" dir="5400000" algn="ctr">
-              <a:srgbClr val="000000">
-                <a:alpha val="32000"/>
-              </a:srgbClr>
-            </a:outerShdw>
-          </a:effectLst>
-          <a:scene3d>
-            <a:camera prst="orthographicFront">
-              <a:rot lat="0" lon="0" rev="0"/>
-            </a:camera>
-            <a:lightRig rig="balanced" dir="t">
-              <a:rot lat="0" lon="0" rev="8700000"/>
-            </a:lightRig>
-          </a:scene3d>
-          <a:sp3d>
-            <a:bevelT w="190500" h="38100"/>
-          </a:sp3d>
-        </p:spPr>
-        <p:style>
-          <a:lnRef idx="1">
-            <a:schemeClr val="accent2"/>
-          </a:lnRef>
-          <a:fillRef idx="3">
-            <a:schemeClr val="accent2"/>
-          </a:fillRef>
-          <a:effectRef idx="2">
-            <a:schemeClr val="accent2"/>
-          </a:effectRef>
-          <a:fontRef idx="minor">
-            <a:schemeClr val="lt1"/>
-          </a:fontRef>
-        </p:style>
-        <p:txBody>
-          <a:bodyPr wrap="square">
-            <a:spAutoFit/>
-          </a:bodyPr>
-          <a:lstStyle/>
-          <a:p>
-            <a:pPr algn="ctr"/>
-            <a:r>
-              <a:rPr lang="en-US" sz="3600" b="1"/>
-              <a:t>Table</a:t>
-            </a:r>
-            <a:r>
-              <a:rPr lang="en-US" sz="3600" b="1"/>
-              <a:t> </a:t>
-            </a:r>
-            <a:r>
-              <a:rPr lang="en-US" sz="3600" b="1" smtClean="0"/>
-              <a:t>Views: Content</a:t>
-            </a:r>
-            <a:endParaRPr lang="en-US" sz="3600" b="1"/>
-          </a:p>
-        </p:txBody>
-      </p:sp>
-      <p:sp>
-        <p:nvSpPr>
-          <p:cNvPr id="3" name="Rectangle 2"/>
-          <p:cNvSpPr/>
-          <p:nvPr/>
-        </p:nvSpPr>
-        <p:spPr>
-          <a:xfrm>
-            <a:off x="0" y="1164134"/>
             <a:ext cx="12192000" cy="3108543"/>
           </a:xfrm>
           <a:prstGeom prst="rect">
@@ -3309,70 +3107,136 @@
           </a:bodyPr>
           <a:lstStyle/>
           <a:p>
-            <a:pPr>
+            <a:pPr marL="457200" indent="-457200">
               <a:buFont typeface="Arial" panose="020B0604020202020204" pitchFamily="34" charset="0"/>
               <a:buChar char="•"/>
             </a:pPr>
-            <a:endParaRPr lang="en-US" sz="2800" b="1" i="0" smtClean="0">
-              <a:solidFill>
-                <a:schemeClr val="bg1"/>
-              </a:solidFill>
-              <a:effectLst/>
-              <a:latin typeface="Gotham-Rounded-Book"/>
-            </a:endParaRPr>
-          </a:p>
-          <a:p>
-            <a:pPr>
+            <a:endParaRPr lang="en-US" sz="2800" b="1" smtClean="0"/>
+          </a:p>
+          <a:p>
+            <a:pPr marL="457200" indent="-457200">
               <a:buFont typeface="Arial" panose="020B0604020202020204" pitchFamily="34" charset="0"/>
               <a:buChar char="•"/>
             </a:pPr>
             <a:r>
               <a:rPr lang="en-US" sz="2800" b="1" smtClean="0"/>
+              <a:t>Are </a:t>
+            </a:r>
+            <a:r>
+              <a:rPr lang="en-US" sz="2800" b="1"/>
+              <a:t>the UI View subclass behind </a:t>
+            </a:r>
+            <a:r>
+              <a:rPr lang="en-US" sz="2800" b="1" smtClean="0"/>
+              <a:t>the </a:t>
+            </a:r>
+            <a:r>
+              <a:rPr lang="en-US" sz="2800" b="1"/>
+              <a:t>most popular apps on the App </a:t>
+            </a:r>
+            <a:r>
+              <a:rPr lang="en-US" sz="2800" b="1" smtClean="0"/>
+              <a:t>Store</a:t>
+            </a:r>
+            <a:r>
+              <a:rPr lang="en-US" sz="2800" smtClean="0"/>
               <a:t> </a:t>
             </a:r>
+          </a:p>
+          <a:p>
+            <a:pPr marL="457200" indent="-457200">
+              <a:buFont typeface="Arial" panose="020B0604020202020204" pitchFamily="34" charset="0"/>
+              <a:buChar char="•"/>
+            </a:pPr>
+            <a:r>
+              <a:rPr lang="en-US" sz="2800" smtClean="0"/>
+              <a:t>They </a:t>
+            </a:r>
             <a:r>
               <a:rPr lang="en-US" sz="2800"/>
-              <a:t>First we must </a:t>
+              <a:t>are very versatile and this is one view we must </a:t>
+            </a:r>
+            <a:r>
+              <a:rPr lang="en-US" sz="2800" smtClean="0"/>
+              <a:t>master </a:t>
+            </a:r>
+          </a:p>
+          <a:p>
+            <a:pPr marL="457200" indent="-457200">
+              <a:buFont typeface="Arial" panose="020B0604020202020204" pitchFamily="34" charset="0"/>
+              <a:buChar char="•"/>
+            </a:pPr>
+            <a:r>
+              <a:rPr lang="en-US" sz="2800" smtClean="0"/>
+              <a:t>The </a:t>
+            </a:r>
+            <a:r>
+              <a:rPr lang="en-US" sz="2800"/>
+              <a:t>name 'Table' is a little bit misleading because yes, it is a </a:t>
+            </a:r>
+            <a:r>
+              <a:rPr lang="en-US" sz="2800" smtClean="0"/>
+              <a:t>table</a:t>
+            </a:r>
+          </a:p>
+          <a:p>
+            <a:pPr marL="457200" indent="-457200">
+              <a:buFont typeface="Arial" panose="020B0604020202020204" pitchFamily="34" charset="0"/>
+              <a:buChar char="•"/>
+            </a:pPr>
+            <a:r>
+              <a:rPr lang="en-US" sz="2800" smtClean="0"/>
+              <a:t>But</a:t>
+            </a:r>
+            <a:r>
+              <a:rPr lang="en-US" sz="2800"/>
+              <a:t> </a:t>
             </a:r>
             <a:r>
               <a:rPr lang="en-US" sz="2800" b="1"/>
-              <a:t>determine if our content is going to be dynamic or static</a:t>
+              <a:t>a table with just one </a:t>
+            </a:r>
+            <a:r>
+              <a:rPr lang="en-US" sz="2800" b="1" smtClean="0"/>
+              <a:t>column</a:t>
+            </a:r>
+            <a:endParaRPr lang="en-US" sz="2800" smtClean="0"/>
+          </a:p>
+          <a:p>
+            <a:pPr marL="457200" indent="-457200">
+              <a:buFont typeface="Arial" panose="020B0604020202020204" pitchFamily="34" charset="0"/>
+              <a:buChar char="•"/>
+            </a:pPr>
+            <a:r>
+              <a:rPr lang="en-US" sz="2800" smtClean="0"/>
+              <a:t>more </a:t>
             </a:r>
             <a:r>
               <a:rPr lang="en-US" sz="2800"/>
-              <a:t>. </a:t>
+              <a:t>accurate to </a:t>
             </a:r>
             <a:r>
               <a:rPr lang="en-US" sz="2800" b="1"/>
-              <a:t>If we don't know how many cells we have to display until the application is running, we have to use Dynamic Prototypes to generate our cells</a:t>
-            </a:r>
-            <a:r>
-              <a:rPr lang="en-US" sz="2800"/>
-              <a:t>. Since we don't know how many cells to generate beforehand, </a:t>
-            </a:r>
-            <a:r>
-              <a:rPr lang="en-US" sz="2800" b="1"/>
-              <a:t>we create a prototype cell that will be used as a blueprint to create cells</a:t>
-            </a:r>
-            <a:r>
-              <a:rPr lang="en-US" sz="2800"/>
-              <a:t>. On the other hand, </a:t>
-            </a:r>
-            <a:r>
-              <a:rPr lang="en-US" sz="2800" b="1"/>
-              <a:t>if we know beforehand how many cells that we need, we can create Static Cells</a:t>
+              <a:t>think of it as a </a:t>
             </a:r>
             <a:r>
               <a:rPr lang="en-US" sz="2800" b="1" smtClean="0"/>
-              <a:t> </a:t>
-            </a:r>
+              <a:t>list</a:t>
+            </a:r>
+          </a:p>
+          <a:p>
+            <a:pPr marL="457200" indent="-457200">
+              <a:buFont typeface="Arial" panose="020B0604020202020204" pitchFamily="34" charset="0"/>
+              <a:buChar char="•"/>
+            </a:pPr>
+            <a:endParaRPr lang="en-US" sz="2800"/>
           </a:p>
         </p:txBody>
       </p:sp>
     </p:spTree>
     <p:extLst>
       <p:ext uri="{BB962C8B-B14F-4D97-AF65-F5344CB8AC3E}">
-        <p14:creationId xmlns:p14="http://schemas.microsoft.com/office/powerpoint/2010/main" val="2356083387"/>
+        <p14:creationId xmlns:p14="http://schemas.microsoft.com/office/powerpoint/2010/main" val="4188378029"/>
       </p:ext>
     </p:extLst>
   </p:cSld>
@@ -3382,7 +3246,7 @@
 </p:sld>
 </file>
 
-<file path=ppt/slides/slide3.xml><?xml version="1.0" encoding="utf-8"?>
+<file path=ppt/slides/slide2.xml><?xml version="1.0" encoding="utf-8"?>
 <p:sld xmlns:a="http://schemas.openxmlformats.org/drawingml/2006/main" xmlns:r="http://schemas.openxmlformats.org/officeDocument/2006/relationships" xmlns:p="http://schemas.openxmlformats.org/presentationml/2006/main">
   <p:cSld>
     <p:spTree>
@@ -3461,23 +3325,11 @@
             <a:pPr algn="ctr"/>
             <a:r>
               <a:rPr lang="en-US" sz="3600" b="1"/>
-              <a:t>Table</a:t>
-            </a:r>
-            <a:r>
-              <a:rPr lang="en-US" sz="3600" b="1"/>
-              <a:t> </a:t>
+              <a:t>Table </a:t>
             </a:r>
             <a:r>
               <a:rPr lang="en-US" sz="3600" b="1" smtClean="0"/>
-              <a:t>Views: </a:t>
-            </a:r>
-            <a:r>
-              <a:rPr lang="en-US" sz="3600" b="1"/>
-              <a:t>Two </a:t>
-            </a:r>
-            <a:r>
-              <a:rPr lang="en-US" sz="3600" b="1" smtClean="0"/>
-              <a:t>types</a:t>
+              <a:t>Views: Content</a:t>
             </a:r>
             <a:endParaRPr lang="en-US" sz="3600" b="1"/>
           </a:p>
@@ -3492,7 +3344,7 @@
         <p:spPr>
           <a:xfrm>
             <a:off x="0" y="1164134"/>
-            <a:ext cx="12192000" cy="2246769"/>
+            <a:ext cx="12192000" cy="4339650"/>
           </a:xfrm>
           <a:prstGeom prst="rect">
             <a:avLst/>
@@ -3574,51 +3426,145 @@
             </a:r>
             <a:r>
               <a:rPr lang="en-US" sz="2800"/>
-              <a:t>There are two main types of TableViews. </a:t>
+              <a:t>First we must </a:t>
             </a:r>
             <a:r>
               <a:rPr lang="en-US" sz="2800" b="1"/>
-              <a:t>Plain type is for dynamic data</a:t>
-            </a:r>
+              <a:t>determine if our content is going to be </a:t>
+            </a:r>
+            <a:r>
+              <a:rPr lang="en-US" sz="3600" b="1"/>
+              <a:t>dynamic or </a:t>
+            </a:r>
+            <a:r>
+              <a:rPr lang="en-US" sz="3600" b="1" smtClean="0"/>
+              <a:t>static</a:t>
+            </a:r>
+          </a:p>
+          <a:p>
+            <a:pPr>
+              <a:buFont typeface="Arial" panose="020B0604020202020204" pitchFamily="34" charset="0"/>
+              <a:buChar char="•"/>
+            </a:pPr>
             <a:r>
               <a:rPr lang="en-US" sz="2800"/>
-              <a:t> (when we don't know before hand how long data is going to be). </a:t>
+              <a:t> </a:t>
             </a:r>
             <a:r>
               <a:rPr lang="en-US" sz="2800" b="1"/>
-              <a:t>Grouped type is for fixed data.</a:t>
+              <a:t>If we don't know how many cells </a:t>
+            </a:r>
+            <a:r>
+              <a:rPr lang="en-US" sz="2800" b="1" smtClean="0"/>
+              <a:t>until running time</a:t>
+            </a:r>
+          </a:p>
+          <a:p>
+            <a:pPr marL="914400" lvl="1" indent="-457200">
+              <a:buFont typeface="Wingdings" panose="05000000000000000000" pitchFamily="2" charset="2"/>
+              <a:buChar char="Ø"/>
+            </a:pPr>
+            <a:r>
+              <a:rPr lang="en-US" sz="2800" b="1" smtClean="0"/>
+              <a:t>use </a:t>
+            </a:r>
+            <a:r>
+              <a:rPr lang="en-US" sz="3600" b="1"/>
+              <a:t>Dynamic Prototypes </a:t>
+            </a:r>
+            <a:r>
+              <a:rPr lang="en-US" sz="2800" b="1"/>
+              <a:t>to generate </a:t>
+            </a:r>
+            <a:r>
+              <a:rPr lang="en-US" sz="2800" b="1" smtClean="0"/>
+              <a:t>cells</a:t>
+            </a:r>
+            <a:endParaRPr lang="en-US" sz="2800"/>
+          </a:p>
+          <a:p>
+            <a:pPr>
+              <a:buFont typeface="Arial" panose="020B0604020202020204" pitchFamily="34" charset="0"/>
+              <a:buChar char="•"/>
+            </a:pPr>
+            <a:r>
+              <a:rPr lang="en-US" sz="2800" b="1" smtClean="0"/>
+              <a:t> Create </a:t>
+            </a:r>
+            <a:r>
+              <a:rPr lang="en-US" sz="2800" b="1"/>
+              <a:t>a prototype cell that will be used as a blueprint to create </a:t>
+            </a:r>
+            <a:r>
+              <a:rPr lang="en-US" sz="2800" b="1" smtClean="0"/>
+              <a:t>cells</a:t>
+            </a:r>
+          </a:p>
+          <a:p>
+            <a:pPr>
+              <a:buFont typeface="Arial" panose="020B0604020202020204" pitchFamily="34" charset="0"/>
+              <a:buChar char="•"/>
+            </a:pPr>
+            <a:r>
+              <a:rPr lang="en-US" sz="2800" smtClean="0"/>
+              <a:t> </a:t>
             </a:r>
             <a:r>
               <a:rPr lang="en-US" sz="2800"/>
-              <a:t> One example of a </a:t>
+              <a:t>On the other </a:t>
+            </a:r>
+            <a:r>
+              <a:rPr lang="en-US" sz="2800" smtClean="0"/>
+              <a:t>hand</a:t>
+            </a:r>
+          </a:p>
+          <a:p>
+            <a:pPr marL="914400" lvl="1" indent="-457200">
+              <a:buFont typeface="Wingdings" panose="05000000000000000000" pitchFamily="2" charset="2"/>
+              <a:buChar char="Ø"/>
+            </a:pPr>
+            <a:r>
+              <a:rPr lang="en-US" sz="2800" b="1" smtClean="0"/>
+              <a:t>if </a:t>
             </a:r>
             <a:r>
               <a:rPr lang="en-US" sz="2800" b="1"/>
-              <a:t>Plain type is the Contacts App</a:t>
-            </a:r>
-            <a:r>
-              <a:rPr lang="en-US" sz="2800"/>
-              <a:t> and an example of </a:t>
-            </a:r>
-            <a:r>
-              <a:rPr lang="en-US" sz="2800" b="1"/>
-              <a:t>Grouped type is the Settings App</a:t>
-            </a:r>
-            <a:r>
-              <a:rPr lang="en-US" sz="2800"/>
-              <a:t>.</a:t>
-            </a:r>
+              <a:t>we know beforehand how many cells </a:t>
+            </a:r>
+            <a:endParaRPr lang="en-US" sz="2800" b="1" smtClean="0"/>
+          </a:p>
+          <a:p>
+            <a:pPr marL="914400" lvl="1" indent="-457200">
+              <a:buFont typeface="Wingdings" panose="05000000000000000000" pitchFamily="2" charset="2"/>
+              <a:buChar char="Ø"/>
+            </a:pPr>
             <a:r>
               <a:rPr lang="en-US" sz="2800" b="1" smtClean="0"/>
+              <a:t>create </a:t>
+            </a:r>
+            <a:r>
+              <a:rPr lang="en-US" sz="3600" b="1"/>
+              <a:t>Static Cells</a:t>
+            </a:r>
+            <a:r>
+              <a:rPr lang="en-US" sz="3600" b="1" smtClean="0"/>
               <a:t> </a:t>
             </a:r>
+            <a:endParaRPr lang="en-US" sz="3600" b="1" smtClean="0"/>
+          </a:p>
+          <a:p>
+            <a:pPr marL="914400" lvl="1" indent="-457200">
+              <a:buFont typeface="Wingdings" panose="05000000000000000000" pitchFamily="2" charset="2"/>
+              <a:buChar char="Ø"/>
+            </a:pPr>
+            <a:endParaRPr lang="en-US" sz="2800" b="1" smtClean="0"/>
           </a:p>
         </p:txBody>
       </p:sp>
     </p:spTree>
     <p:extLst>
       <p:ext uri="{BB962C8B-B14F-4D97-AF65-F5344CB8AC3E}">
-        <p14:creationId xmlns:p14="http://schemas.microsoft.com/office/powerpoint/2010/main" val="4031825892"/>
+        <p14:creationId xmlns:p14="http://schemas.microsoft.com/office/powerpoint/2010/main" val="2356083387"/>
       </p:ext>
     </p:extLst>
   </p:cSld>
@@ -3628,7 +3574,7 @@
 </p:sld>
 </file>
 
-<file path=ppt/slides/slide4.xml><?xml version="1.0" encoding="utf-8"?>
+<file path=ppt/slides/slide3.xml><?xml version="1.0" encoding="utf-8"?>
 <p:sld xmlns:a="http://schemas.openxmlformats.org/drawingml/2006/main" xmlns:r="http://schemas.openxmlformats.org/officeDocument/2006/relationships" xmlns:p="http://schemas.openxmlformats.org/presentationml/2006/main">
   <p:cSld>
     <p:spTree>
@@ -3707,11 +3653,335 @@
             <a:pPr algn="ctr"/>
             <a:r>
               <a:rPr lang="en-US" sz="3600" b="1"/>
-              <a:t>Table</a:t>
+              <a:t>Table </a:t>
+            </a:r>
+            <a:r>
+              <a:rPr lang="en-US" sz="3600" b="1" smtClean="0"/>
+              <a:t>Views: </a:t>
             </a:r>
             <a:r>
               <a:rPr lang="en-US" sz="3600" b="1"/>
+              <a:t>Two </a:t>
+            </a:r>
+            <a:r>
+              <a:rPr lang="en-US" sz="3600" b="1" smtClean="0"/>
+              <a:t>types</a:t>
+            </a:r>
+            <a:endParaRPr lang="en-US" sz="3600" b="1"/>
+          </a:p>
+        </p:txBody>
+      </p:sp>
+      <p:sp>
+        <p:nvSpPr>
+          <p:cNvPr id="3" name="Rectangle 2"/>
+          <p:cNvSpPr/>
+          <p:nvPr/>
+        </p:nvSpPr>
+        <p:spPr>
+          <a:xfrm>
+            <a:off x="0" y="1164134"/>
+            <a:ext cx="12192000" cy="3539430"/>
+          </a:xfrm>
+          <a:prstGeom prst="rect">
+            <a:avLst/>
+          </a:prstGeom>
+          <a:gradFill>
+            <a:gsLst>
+              <a:gs pos="50441">
+                <a:srgbClr val="0070C0"/>
+              </a:gs>
+              <a:gs pos="13246">
+                <a:srgbClr val="0070C0"/>
+              </a:gs>
+              <a:gs pos="24776">
+                <a:srgbClr val="0070C0"/>
+              </a:gs>
+              <a:gs pos="74328">
+                <a:srgbClr val="0070C0"/>
+              </a:gs>
+              <a:gs pos="0">
+                <a:srgbClr val="0070C0"/>
+              </a:gs>
+              <a:gs pos="100000">
+                <a:srgbClr val="0070C0"/>
+              </a:gs>
+            </a:gsLst>
+            <a:lin ang="5400000" scaled="1"/>
+          </a:gradFill>
+          <a:ln>
+            <a:noFill/>
+          </a:ln>
+          <a:scene3d>
+            <a:camera prst="orthographicFront"/>
+            <a:lightRig rig="threePt" dir="t"/>
+          </a:scene3d>
+          <a:sp3d>
+            <a:bevelT/>
+          </a:sp3d>
+        </p:spPr>
+        <p:style>
+          <a:lnRef idx="0">
+            <a:scrgbClr r="0" g="0" b="0"/>
+          </a:lnRef>
+          <a:fillRef idx="0">
+            <a:scrgbClr r="0" g="0" b="0"/>
+          </a:fillRef>
+          <a:effectRef idx="0">
+            <a:scrgbClr r="0" g="0" b="0"/>
+          </a:effectRef>
+          <a:fontRef idx="minor">
+            <a:schemeClr val="lt1"/>
+          </a:fontRef>
+        </p:style>
+        <p:txBody>
+          <a:bodyPr wrap="square">
+            <a:spAutoFit/>
+          </a:bodyPr>
+          <a:lstStyle/>
+          <a:p>
+            <a:pPr>
+              <a:buFont typeface="Arial" panose="020B0604020202020204" pitchFamily="34" charset="0"/>
+              <a:buChar char="•"/>
+            </a:pPr>
+            <a:endParaRPr lang="en-US" sz="2800" b="1" i="0" smtClean="0">
+              <a:solidFill>
+                <a:schemeClr val="bg1"/>
+              </a:solidFill>
+              <a:effectLst/>
+              <a:latin typeface="Gotham-Rounded-Book"/>
+            </a:endParaRPr>
+          </a:p>
+          <a:p>
+            <a:pPr>
+              <a:buFont typeface="Arial" panose="020B0604020202020204" pitchFamily="34" charset="0"/>
+              <a:buChar char="•"/>
+            </a:pPr>
+            <a:r>
+              <a:rPr lang="en-US" sz="2800" b="1" smtClean="0"/>
+              <a:t> </a:t>
+            </a:r>
+            <a:r>
+              <a:rPr lang="en-US" sz="2800"/>
+              <a:t>There are two main types of </a:t>
+            </a:r>
+            <a:r>
+              <a:rPr lang="en-US" sz="2800" smtClean="0"/>
+              <a:t>TableViews</a:t>
+            </a:r>
+          </a:p>
+          <a:p>
+            <a:pPr marL="914400" lvl="1" indent="-457200">
+              <a:buFont typeface="Wingdings" panose="05000000000000000000" pitchFamily="2" charset="2"/>
+              <a:buChar char="Ø"/>
+            </a:pPr>
+            <a:r>
+              <a:rPr lang="en-US" sz="2800" b="1"/>
+              <a:t> </a:t>
+            </a:r>
+            <a:r>
+              <a:rPr lang="en-US" sz="2800" b="1" smtClean="0"/>
+              <a:t>Plain </a:t>
+            </a:r>
+            <a:r>
+              <a:rPr lang="en-US" sz="2800" b="1"/>
+              <a:t>type is for dynamic data</a:t>
+            </a:r>
+            <a:r>
+              <a:rPr lang="en-US" sz="2800"/>
               <a:t> </a:t>
+            </a:r>
+            <a:endParaRPr lang="en-US" sz="2800" smtClean="0"/>
+          </a:p>
+          <a:p>
+            <a:pPr marL="914400" lvl="1" indent="-457200">
+              <a:buFont typeface="Wingdings" panose="05000000000000000000" pitchFamily="2" charset="2"/>
+              <a:buChar char="Ø"/>
+            </a:pPr>
+            <a:r>
+              <a:rPr lang="en-US" sz="2800" b="1" smtClean="0"/>
+              <a:t>Grouped </a:t>
+            </a:r>
+            <a:r>
+              <a:rPr lang="en-US" sz="2800" b="1"/>
+              <a:t>type is for fixed </a:t>
+            </a:r>
+            <a:r>
+              <a:rPr lang="en-US" sz="2800" b="1" smtClean="0"/>
+              <a:t>data</a:t>
+            </a:r>
+            <a:r>
+              <a:rPr lang="en-US" sz="2800"/>
+              <a:t> </a:t>
+            </a:r>
+            <a:endParaRPr lang="en-US" sz="2800" smtClean="0"/>
+          </a:p>
+          <a:p>
+            <a:pPr marL="914400" lvl="1" indent="-457200">
+              <a:buFont typeface="Wingdings" panose="05000000000000000000" pitchFamily="2" charset="2"/>
+              <a:buChar char="Ø"/>
+            </a:pPr>
+            <a:r>
+              <a:rPr lang="en-US" sz="2800" smtClean="0"/>
+              <a:t>Examples: </a:t>
+            </a:r>
+          </a:p>
+          <a:p>
+            <a:pPr marL="1828800" lvl="3" indent="-457200">
+              <a:buFont typeface="Wingdings" panose="05000000000000000000" pitchFamily="2" charset="2"/>
+              <a:buChar char="v"/>
+            </a:pPr>
+            <a:r>
+              <a:rPr lang="en-US" sz="2800" b="1" smtClean="0"/>
+              <a:t>Plain </a:t>
+            </a:r>
+            <a:r>
+              <a:rPr lang="en-US" sz="2800" b="1"/>
+              <a:t>type </a:t>
+            </a:r>
+            <a:r>
+              <a:rPr lang="en-US" sz="2800" b="1" smtClean="0"/>
+              <a:t>-&gt; </a:t>
+            </a:r>
+            <a:r>
+              <a:rPr lang="en-US" sz="2800" b="1"/>
+              <a:t>the Contacts App</a:t>
+            </a:r>
+            <a:r>
+              <a:rPr lang="en-US" sz="2800"/>
+              <a:t> </a:t>
+            </a:r>
+            <a:endParaRPr lang="en-US" sz="2800" smtClean="0"/>
+          </a:p>
+          <a:p>
+            <a:pPr marL="1828800" lvl="3" indent="-457200">
+              <a:buFont typeface="Wingdings" panose="05000000000000000000" pitchFamily="2" charset="2"/>
+              <a:buChar char="v"/>
+            </a:pPr>
+            <a:r>
+              <a:rPr lang="en-US" sz="2800" b="1" smtClean="0"/>
+              <a:t>Grouped </a:t>
+            </a:r>
+            <a:r>
+              <a:rPr lang="en-US" sz="2800" b="1"/>
+              <a:t>type </a:t>
+            </a:r>
+            <a:r>
+              <a:rPr lang="en-US" sz="2800" b="1" smtClean="0"/>
+              <a:t>-&gt; </a:t>
+            </a:r>
+            <a:r>
+              <a:rPr lang="en-US" sz="2800" b="1"/>
+              <a:t>the Settings </a:t>
+            </a:r>
+            <a:r>
+              <a:rPr lang="en-US" sz="2800" b="1" smtClean="0"/>
+              <a:t>App</a:t>
+            </a:r>
+            <a:endParaRPr lang="en-US" sz="2800"/>
+          </a:p>
+          <a:p>
+            <a:pPr lvl="3"/>
+            <a:r>
+              <a:rPr lang="en-US" sz="2800" b="1" smtClean="0"/>
+              <a:t> </a:t>
+            </a:r>
+            <a:endParaRPr lang="en-US" sz="2800" b="1" smtClean="0"/>
+          </a:p>
+        </p:txBody>
+      </p:sp>
+    </p:spTree>
+    <p:extLst>
+      <p:ext uri="{BB962C8B-B14F-4D97-AF65-F5344CB8AC3E}">
+        <p14:creationId xmlns:p14="http://schemas.microsoft.com/office/powerpoint/2010/main" val="4031825892"/>
+      </p:ext>
+    </p:extLst>
+  </p:cSld>
+  <p:clrMapOvr>
+    <a:masterClrMapping/>
+  </p:clrMapOvr>
+</p:sld>
+</file>
+
+<file path=ppt/slides/slide4.xml><?xml version="1.0" encoding="utf-8"?>
+<p:sld xmlns:a="http://schemas.openxmlformats.org/drawingml/2006/main" xmlns:r="http://schemas.openxmlformats.org/officeDocument/2006/relationships" xmlns:p="http://schemas.openxmlformats.org/presentationml/2006/main">
+  <p:cSld>
+    <p:spTree>
+      <p:nvGrpSpPr>
+        <p:cNvPr id="1" name=""/>
+        <p:cNvGrpSpPr/>
+        <p:nvPr/>
+      </p:nvGrpSpPr>
+      <p:grpSpPr>
+        <a:xfrm>
+          <a:off x="0" y="0"/>
+          <a:ext cx="0" cy="0"/>
+          <a:chOff x="0" y="0"/>
+          <a:chExt cx="0" cy="0"/>
+        </a:xfrm>
+      </p:grpSpPr>
+      <p:sp>
+        <p:nvSpPr>
+          <p:cNvPr id="2" name="Rectangle 1"/>
+          <p:cNvSpPr/>
+          <p:nvPr/>
+        </p:nvSpPr>
+        <p:spPr>
+          <a:xfrm>
+            <a:off x="1600200" y="124579"/>
+            <a:ext cx="9918700" cy="646331"/>
+          </a:xfrm>
+          <a:prstGeom prst="rect">
+            <a:avLst/>
+          </a:prstGeom>
+          <a:solidFill>
+            <a:srgbClr val="C00000"/>
+          </a:solidFill>
+          <a:ln>
+            <a:noFill/>
+          </a:ln>
+          <a:effectLst>
+            <a:outerShdw blurRad="44450" dist="27940" dir="5400000" algn="ctr">
+              <a:srgbClr val="000000">
+                <a:alpha val="32000"/>
+              </a:srgbClr>
+            </a:outerShdw>
+          </a:effectLst>
+          <a:scene3d>
+            <a:camera prst="orthographicFront">
+              <a:rot lat="0" lon="0" rev="0"/>
+            </a:camera>
+            <a:lightRig rig="balanced" dir="t">
+              <a:rot lat="0" lon="0" rev="8700000"/>
+            </a:lightRig>
+          </a:scene3d>
+          <a:sp3d>
+            <a:bevelT w="190500" h="38100"/>
+          </a:sp3d>
+        </p:spPr>
+        <p:style>
+          <a:lnRef idx="1">
+            <a:schemeClr val="accent2"/>
+          </a:lnRef>
+          <a:fillRef idx="3">
+            <a:schemeClr val="accent2"/>
+          </a:fillRef>
+          <a:effectRef idx="2">
+            <a:schemeClr val="accent2"/>
+          </a:effectRef>
+          <a:fontRef idx="minor">
+            <a:schemeClr val="lt1"/>
+          </a:fontRef>
+        </p:style>
+        <p:txBody>
+          <a:bodyPr wrap="square">
+            <a:spAutoFit/>
+          </a:bodyPr>
+          <a:lstStyle/>
+          <a:p>
+            <a:pPr algn="ctr"/>
+            <a:r>
+              <a:rPr lang="en-US" sz="3600" b="1"/>
+              <a:t>Table </a:t>
             </a:r>
             <a:r>
               <a:rPr lang="en-US" sz="3600" b="1" smtClean="0"/>
@@ -3854,11 +4124,7 @@
             <a:pPr algn="ctr"/>
             <a:r>
               <a:rPr lang="en-US" sz="3600" b="1"/>
-              <a:t>Table</a:t>
-            </a:r>
-            <a:r>
-              <a:rPr lang="en-US" sz="3600" b="1"/>
-              <a:t> </a:t>
+              <a:t>Table </a:t>
             </a:r>
             <a:r>
               <a:rPr lang="en-US" sz="3600" b="1" smtClean="0"/>
@@ -4001,11 +4267,7 @@
             <a:pPr algn="ctr"/>
             <a:r>
               <a:rPr lang="en-US" sz="3600" b="1"/>
-              <a:t>Table</a:t>
-            </a:r>
-            <a:r>
-              <a:rPr lang="en-US" sz="3600" b="1"/>
-              <a:t> </a:t>
+              <a:t>Table </a:t>
             </a:r>
             <a:r>
               <a:rPr lang="en-US" sz="3600" b="1" smtClean="0"/>
